--- a/Исследовательская работа презинтатион.pptx
+++ b/Исследовательская работа презинтатион.pptx
@@ -118,7 +118,7 @@
   </p:defaultTextStyle>
   <p:extLst>
     <p:ext uri="{EFAFB233-063F-42B5-8137-9DF3F51BA10A}">
-      <p15:sldGuideLst xmlns="" xmlns:p15="http://schemas.microsoft.com/office/powerpoint/2012/main">
+      <p15:sldGuideLst xmlns:p15="http://schemas.microsoft.com/office/powerpoint/2012/main">
         <p15:guide id="1" orient="horz" pos="2160">
           <p15:clr>
             <a:srgbClr val="A4A3A4"/>
@@ -355,7 +355,7 @@
             <a:fld id="{5B106E36-FD25-4E2D-B0AA-010F637433A0}" type="datetimeFigureOut">
               <a:rPr lang="ru-RU" smtClean="0"/>
               <a:pPr/>
-              <a:t>18.04.2023</a:t>
+              <a:t>26.04.2023</a:t>
             </a:fld>
             <a:endParaRPr lang="ru-RU"/>
           </a:p>
@@ -544,7 +544,7 @@
             <a:fld id="{5B106E36-FD25-4E2D-B0AA-010F637433A0}" type="datetimeFigureOut">
               <a:rPr lang="ru-RU" smtClean="0"/>
               <a:pPr/>
-              <a:t>18.04.2023</a:t>
+              <a:t>26.04.2023</a:t>
             </a:fld>
             <a:endParaRPr lang="ru-RU"/>
           </a:p>
@@ -721,7 +721,7 @@
             <a:fld id="{5B106E36-FD25-4E2D-B0AA-010F637433A0}" type="datetimeFigureOut">
               <a:rPr lang="ru-RU" smtClean="0"/>
               <a:pPr/>
-              <a:t>18.04.2023</a:t>
+              <a:t>26.04.2023</a:t>
             </a:fld>
             <a:endParaRPr lang="ru-RU"/>
           </a:p>
@@ -958,7 +958,7 @@
             <a:fld id="{5B106E36-FD25-4E2D-B0AA-010F637433A0}" type="datetimeFigureOut">
               <a:rPr lang="ru-RU" smtClean="0"/>
               <a:pPr/>
-              <a:t>18.04.2023</a:t>
+              <a:t>26.04.2023</a:t>
             </a:fld>
             <a:endParaRPr lang="ru-RU"/>
           </a:p>
@@ -1123,7 +1123,7 @@
             <a:fld id="{5B106E36-FD25-4E2D-B0AA-010F637433A0}" type="datetimeFigureOut">
               <a:rPr lang="ru-RU" smtClean="0"/>
               <a:pPr/>
-              <a:t>18.04.2023</a:t>
+              <a:t>26.04.2023</a:t>
             </a:fld>
             <a:endParaRPr lang="ru-RU"/>
           </a:p>
@@ -1365,7 +1365,7 @@
             <a:fld id="{5B106E36-FD25-4E2D-B0AA-010F637433A0}" type="datetimeFigureOut">
               <a:rPr lang="ru-RU" smtClean="0"/>
               <a:pPr/>
-              <a:t>18.04.2023</a:t>
+              <a:t>26.04.2023</a:t>
             </a:fld>
             <a:endParaRPr lang="ru-RU"/>
           </a:p>
@@ -1647,7 +1647,7 @@
             <a:fld id="{5B106E36-FD25-4E2D-B0AA-010F637433A0}" type="datetimeFigureOut">
               <a:rPr lang="ru-RU" smtClean="0"/>
               <a:pPr/>
-              <a:t>18.04.2023</a:t>
+              <a:t>26.04.2023</a:t>
             </a:fld>
             <a:endParaRPr lang="ru-RU"/>
           </a:p>
@@ -2063,7 +2063,7 @@
             <a:fld id="{5B106E36-FD25-4E2D-B0AA-010F637433A0}" type="datetimeFigureOut">
               <a:rPr lang="ru-RU" smtClean="0"/>
               <a:pPr/>
-              <a:t>18.04.2023</a:t>
+              <a:t>26.04.2023</a:t>
             </a:fld>
             <a:endParaRPr lang="ru-RU"/>
           </a:p>
@@ -2177,7 +2177,7 @@
             <a:fld id="{5B106E36-FD25-4E2D-B0AA-010F637433A0}" type="datetimeFigureOut">
               <a:rPr lang="ru-RU" smtClean="0"/>
               <a:pPr/>
-              <a:t>18.04.2023</a:t>
+              <a:t>26.04.2023</a:t>
             </a:fld>
             <a:endParaRPr lang="ru-RU"/>
           </a:p>
@@ -2269,7 +2269,7 @@
             <a:fld id="{5B106E36-FD25-4E2D-B0AA-010F637433A0}" type="datetimeFigureOut">
               <a:rPr lang="ru-RU" smtClean="0"/>
               <a:pPr/>
-              <a:t>18.04.2023</a:t>
+              <a:t>26.04.2023</a:t>
             </a:fld>
             <a:endParaRPr lang="ru-RU"/>
           </a:p>
@@ -2541,7 +2541,7 @@
             <a:fld id="{5B106E36-FD25-4E2D-B0AA-010F637433A0}" type="datetimeFigureOut">
               <a:rPr lang="ru-RU" smtClean="0"/>
               <a:pPr/>
-              <a:t>18.04.2023</a:t>
+              <a:t>26.04.2023</a:t>
             </a:fld>
             <a:endParaRPr lang="ru-RU"/>
           </a:p>
@@ -2723,7 +2723,7 @@
             <a:fld id="{5B106E36-FD25-4E2D-B0AA-010F637433A0}" type="datetimeFigureOut">
               <a:rPr lang="ru-RU" smtClean="0"/>
               <a:pPr/>
-              <a:t>18.04.2023</a:t>
+              <a:t>26.04.2023</a:t>
             </a:fld>
             <a:endParaRPr lang="ru-RU"/>
           </a:p>
@@ -2977,7 +2977,7 @@
             <a:fld id="{5B106E36-FD25-4E2D-B0AA-010F637433A0}" type="datetimeFigureOut">
               <a:rPr lang="ru-RU" smtClean="0"/>
               <a:pPr/>
-              <a:t>18.04.2023</a:t>
+              <a:t>26.04.2023</a:t>
             </a:fld>
             <a:endParaRPr lang="ru-RU"/>
           </a:p>
@@ -3142,7 +3142,7 @@
             <a:fld id="{5B106E36-FD25-4E2D-B0AA-010F637433A0}" type="datetimeFigureOut">
               <a:rPr lang="ru-RU" smtClean="0"/>
               <a:pPr/>
-              <a:t>18.04.2023</a:t>
+              <a:t>26.04.2023</a:t>
             </a:fld>
             <a:endParaRPr lang="ru-RU"/>
           </a:p>
@@ -3317,7 +3317,7 @@
             <a:fld id="{5B106E36-FD25-4E2D-B0AA-010F637433A0}" type="datetimeFigureOut">
               <a:rPr lang="ru-RU" smtClean="0"/>
               <a:pPr/>
-              <a:t>18.04.2023</a:t>
+              <a:t>26.04.2023</a:t>
             </a:fld>
             <a:endParaRPr lang="ru-RU"/>
           </a:p>
@@ -3561,7 +3561,7 @@
             <a:fld id="{5B106E36-FD25-4E2D-B0AA-010F637433A0}" type="datetimeFigureOut">
               <a:rPr lang="ru-RU" smtClean="0"/>
               <a:pPr/>
-              <a:t>18.04.2023</a:t>
+              <a:t>26.04.2023</a:t>
             </a:fld>
             <a:endParaRPr lang="ru-RU"/>
           </a:p>
@@ -4037,7 +4037,7 @@
             <a:fld id="{5B106E36-FD25-4E2D-B0AA-010F637433A0}" type="datetimeFigureOut">
               <a:rPr lang="ru-RU" smtClean="0"/>
               <a:pPr/>
-              <a:t>18.04.2023</a:t>
+              <a:t>26.04.2023</a:t>
             </a:fld>
             <a:endParaRPr lang="ru-RU"/>
           </a:p>
@@ -4454,7 +4454,7 @@
             <a:fld id="{5B106E36-FD25-4E2D-B0AA-010F637433A0}" type="datetimeFigureOut">
               <a:rPr lang="ru-RU" smtClean="0"/>
               <a:pPr/>
-              <a:t>18.04.2023</a:t>
+              <a:t>26.04.2023</a:t>
             </a:fld>
             <a:endParaRPr lang="ru-RU"/>
           </a:p>
@@ -4587,7 +4587,7 @@
             <a:fld id="{5B106E36-FD25-4E2D-B0AA-010F637433A0}" type="datetimeFigureOut">
               <a:rPr lang="ru-RU" smtClean="0"/>
               <a:pPr/>
-              <a:t>18.04.2023</a:t>
+              <a:t>26.04.2023</a:t>
             </a:fld>
             <a:endParaRPr lang="ru-RU"/>
           </a:p>
@@ -4684,7 +4684,7 @@
             <a:fld id="{5B106E36-FD25-4E2D-B0AA-010F637433A0}" type="datetimeFigureOut">
               <a:rPr lang="ru-RU" smtClean="0"/>
               <a:pPr/>
-              <a:t>18.04.2023</a:t>
+              <a:t>26.04.2023</a:t>
             </a:fld>
             <a:endParaRPr lang="ru-RU"/>
           </a:p>
@@ -4964,7 +4964,7 @@
             <a:fld id="{5B106E36-FD25-4E2D-B0AA-010F637433A0}" type="datetimeFigureOut">
               <a:rPr lang="ru-RU" smtClean="0"/>
               <a:pPr/>
-              <a:t>18.04.2023</a:t>
+              <a:t>26.04.2023</a:t>
             </a:fld>
             <a:endParaRPr lang="ru-RU"/>
           </a:p>
@@ -5218,7 +5218,7 @@
             <a:fld id="{5B106E36-FD25-4E2D-B0AA-010F637433A0}" type="datetimeFigureOut">
               <a:rPr lang="ru-RU" smtClean="0"/>
               <a:pPr/>
-              <a:t>18.04.2023</a:t>
+              <a:t>26.04.2023</a:t>
             </a:fld>
             <a:endParaRPr lang="ru-RU"/>
           </a:p>
@@ -5592,7 +5592,7 @@
             <a:fld id="{5B106E36-FD25-4E2D-B0AA-010F637433A0}" type="datetimeFigureOut">
               <a:rPr lang="ru-RU" smtClean="0"/>
               <a:pPr/>
-              <a:t>18.04.2023</a:t>
+              <a:t>26.04.2023</a:t>
             </a:fld>
             <a:endParaRPr lang="ru-RU"/>
           </a:p>
@@ -6146,7 +6146,7 @@
             <a:fld id="{5B106E36-FD25-4E2D-B0AA-010F637433A0}" type="datetimeFigureOut">
               <a:rPr lang="ru-RU" smtClean="0"/>
               <a:pPr/>
-              <a:t>18.04.2023</a:t>
+              <a:t>26.04.2023</a:t>
             </a:fld>
             <a:endParaRPr lang="ru-RU"/>
           </a:p>
@@ -7606,7 +7606,7 @@
           <p:cNvPr id="4" name="Rectangle 1">
             <a:extLst>
               <a:ext uri="{FF2B5EF4-FFF2-40B4-BE49-F238E27FC236}">
-                <a16:creationId xmlns="" xmlns:a16="http://schemas.microsoft.com/office/drawing/2014/main" id="{D77D9ACD-7F45-422C-973B-286A2D64AE46}"/>
+                <a16:creationId xmlns:a16="http://schemas.microsoft.com/office/drawing/2014/main" id="{D77D9ACD-7F45-422C-973B-286A2D64AE46}"/>
               </a:ext>
             </a:extLst>
           </p:cNvPr>
@@ -7632,14 +7632,14 @@
           <a:effectLst/>
           <a:extLst>
             <a:ext uri="{909E8E84-426E-40DD-AFC4-6F175D3DCCD1}">
-              <a14:hiddenFill xmlns="" xmlns:a14="http://schemas.microsoft.com/office/drawing/2010/main">
+              <a14:hiddenFill xmlns:a14="http://schemas.microsoft.com/office/drawing/2010/main">
                 <a:solidFill>
                   <a:schemeClr val="accent1"/>
                 </a:solidFill>
               </a14:hiddenFill>
             </a:ext>
             <a:ext uri="{91240B29-F687-4F45-9708-019B960494DF}">
-              <a14:hiddenLine xmlns="" xmlns:a14="http://schemas.microsoft.com/office/drawing/2010/main" w="9525">
+              <a14:hiddenLine xmlns:a14="http://schemas.microsoft.com/office/drawing/2010/main" w="9525">
                 <a:solidFill>
                   <a:schemeClr val="tx1"/>
                 </a:solidFill>
@@ -7649,7 +7649,7 @@
               </a14:hiddenLine>
             </a:ext>
             <a:ext uri="{AF507438-7753-43E0-B8FC-AC1667EBCBE1}">
-              <a14:hiddenEffects xmlns="" xmlns:a14="http://schemas.microsoft.com/office/drawing/2010/main">
+              <a14:hiddenEffects xmlns:a14="http://schemas.microsoft.com/office/drawing/2010/main">
                 <a:effectLst>
                   <a:outerShdw dist="35921" dir="2700000" algn="ctr" rotWithShape="0">
                     <a:schemeClr val="bg2"/>
@@ -8095,13 +8095,6 @@
   <p:clrMapOvr>
     <a:masterClrMapping/>
   </p:clrMapOvr>
-  <p:timing>
-    <p:tnLst>
-      <p:par>
-        <p:cTn id="1" dur="indefinite" restart="never" nodeType="tmRoot"/>
-      </p:par>
-    </p:tnLst>
-  </p:timing>
 </p:sld>
 </file>
 
@@ -8268,7 +8261,7 @@
         </p:spPr>
         <p:txBody>
           <a:bodyPr>
-            <a:normAutofit fontScale="85000" lnSpcReduction="10000"/>
+            <a:normAutofit fontScale="92500" lnSpcReduction="20000"/>
           </a:bodyPr>
           <a:lstStyle/>
           <a:p>
@@ -8296,21 +8289,8 @@
                   <a:srgbClr val="00B0F0"/>
                 </a:solidFill>
               </a:rPr>
-              <a:t>Выявить уровень знаний детей о своих </a:t>
-            </a:r>
-            <a:r>
-              <a:rPr lang="ru-RU" dirty="0" smtClean="0">
-                <a:solidFill>
-                  <a:srgbClr val="00B0F0"/>
-                </a:solidFill>
-              </a:rPr>
-              <a:t>правах.</a:t>
-            </a:r>
-            <a:endParaRPr lang="ru-RU" dirty="0">
-              <a:solidFill>
-                <a:srgbClr val="00B0F0"/>
-              </a:solidFill>
-            </a:endParaRPr>
+              <a:t>Выявить уровень знаний детей о своих правах.</a:t>
+            </a:r>
           </a:p>
           <a:p>
             <a:pPr algn="ctr">
@@ -8341,15 +8321,15 @@
                   <a:srgbClr val="00B0F0"/>
                 </a:solidFill>
               </a:rPr>
-              <a:t>Проанализировать имеют ли учащиеся представление о своих правах и </a:t>
-            </a:r>
-            <a:r>
-              <a:rPr lang="ru-RU" dirty="0" smtClean="0">
+              <a:t>Проанализировать имеют ли учащиеся представление о </a:t>
+            </a:r>
+            <a:r>
+              <a:rPr lang="ru-RU">
                 <a:solidFill>
                   <a:srgbClr val="00B0F0"/>
                 </a:solidFill>
               </a:rPr>
-              <a:t>обязанностях.</a:t>
+              <a:t>своих правах.</a:t>
             </a:r>
             <a:endParaRPr lang="ru-RU" dirty="0">
               <a:solidFill>
@@ -8682,20 +8662,12 @@
           <a:lstStyle/>
           <a:p>
             <a:r>
-              <a:rPr lang="ru-RU" sz="3200" dirty="0" smtClean="0">
-                <a:solidFill>
-                  <a:srgbClr val="FF0000"/>
-                </a:solidFill>
-              </a:rPr>
-              <a:t> </a:t>
-            </a:r>
-            <a:r>
               <a:rPr lang="ru-RU" sz="3200" dirty="0">
                 <a:solidFill>
                   <a:srgbClr val="FF0000"/>
                 </a:solidFill>
               </a:rPr>
-              <a:t>Основным актом о правах ребенка в России является Федеральный закон «Об основных гарантиях прав ребенка в Российской Федерации» принятый 24 июля 1998 г.</a:t>
+              <a:t> Основным актом о правах ребенка в России является Федеральный закон «Об основных гарантиях прав ребенка в Российской Федерации» принятый 24 июля 1998 г.</a:t>
             </a:r>
           </a:p>
           <a:p>
@@ -8712,13 +8684,6 @@
   <p:clrMapOvr>
     <a:masterClrMapping/>
   </p:clrMapOvr>
-  <p:timing>
-    <p:tnLst>
-      <p:par>
-        <p:cTn id="1" dur="indefinite" restart="never" nodeType="tmRoot"/>
-      </p:par>
-    </p:tnLst>
-  </p:timing>
 </p:sld>
 </file>
 
@@ -8824,13 +8789,6 @@
   <p:clrMapOvr>
     <a:masterClrMapping/>
   </p:clrMapOvr>
-  <p:timing>
-    <p:tnLst>
-      <p:par>
-        <p:cTn id="1" dur="indefinite" restart="never" nodeType="tmRoot"/>
-      </p:par>
-    </p:tnLst>
-  </p:timing>
 </p:sld>
 </file>
 
@@ -8893,23 +8851,7 @@
                   <a:srgbClr val="FF0000"/>
                 </a:solidFill>
               </a:rPr>
-              <a:t>В 1949 году на Московской сессии Совета Международной демократической Федерации женщин </a:t>
-            </a:r>
-            <a:r>
-              <a:rPr lang="ru-RU" sz="2800" dirty="0" smtClean="0">
-                <a:solidFill>
-                  <a:srgbClr val="FF0000"/>
-                </a:solidFill>
-              </a:rPr>
-              <a:t> был </a:t>
-            </a:r>
-            <a:r>
-              <a:rPr lang="ru-RU" sz="2800" dirty="0">
-                <a:solidFill>
-                  <a:srgbClr val="FF0000"/>
-                </a:solidFill>
-              </a:rPr>
-              <a:t>впервые установлен день защиты детей от угрозы войны.</a:t>
+              <a:t>В 1949 году на Московской сессии Совета Международной демократической Федерации женщин  был впервые установлен день защиты детей от угрозы войны.</a:t>
             </a:r>
           </a:p>
         </p:txBody>
@@ -8952,13 +8894,6 @@
   <p:clrMapOvr>
     <a:masterClrMapping/>
   </p:clrMapOvr>
-  <p:timing>
-    <p:tnLst>
-      <p:par>
-        <p:cTn id="1" dur="indefinite" restart="never" nodeType="tmRoot"/>
-      </p:par>
-    </p:tnLst>
-  </p:timing>
 </p:sld>
 </file>
 
@@ -9069,13 +9004,6 @@
   <p:clrMapOvr>
     <a:masterClrMapping/>
   </p:clrMapOvr>
-  <p:timing>
-    <p:tnLst>
-      <p:par>
-        <p:cTn id="1" dur="indefinite" restart="never" nodeType="tmRoot"/>
-      </p:par>
-    </p:tnLst>
-  </p:timing>
 </p:sld>
 </file>
 
